--- a/ppt_mxic/MXIC_20260202.pptx
+++ b/ppt_mxic/MXIC_20260202.pptx
@@ -234,7 +234,7 @@
           <a:p>
             <a:fld id="{FE9F37E1-976C-4D68-AAA1-E18BCAC423B3}" type="datetimeFigureOut">
               <a:rPr lang="zh-TW" altLang="en-US" smtClean="0"/>
-              <a:t>2026/1/28</a:t>
+              <a:t>2026/2/2</a:t>
             </a:fld>
             <a:endParaRPr lang="zh-TW" altLang="en-US"/>
           </a:p>
@@ -399,7 +399,7 @@
           <a:p>
             <a:fld id="{6F765A04-DEC0-490E-BE54-AD23B90E8F9F}" type="datetimeFigureOut">
               <a:rPr lang="zh-TW" altLang="en-US" smtClean="0"/>
-              <a:t>2026/1/28</a:t>
+              <a:t>2026/2/2</a:t>
             </a:fld>
             <a:endParaRPr lang="zh-TW" altLang="en-US"/>
           </a:p>
@@ -715,7 +715,7 @@
           </a:ln>
           <a:extLst>
             <a:ext uri="{91240B29-F687-4f45-9708-019B960494DF}">
-              <a14:hiddenLine xmlns:a14="http://schemas.microsoft.com/office/drawing/2010/main" xmlns="" w="9525">
+              <a14:hiddenLine xmlns="" xmlns:a14="http://schemas.microsoft.com/office/drawing/2010/main" w="9525">
                 <a:solidFill>
                   <a:srgbClr val="000000"/>
                 </a:solidFill>
@@ -769,14 +769,14 @@
           </a:ln>
           <a:extLst>
             <a:ext uri="{909E8E84-426E-40dd-AFC4-6F175D3DCCD1}">
-              <a14:hiddenFill xmlns:a14="http://schemas.microsoft.com/office/drawing/2010/main" xmlns="">
+              <a14:hiddenFill xmlns="" xmlns:a14="http://schemas.microsoft.com/office/drawing/2010/main">
                 <a:solidFill>
                   <a:srgbClr val="FFFFFF"/>
                 </a:solidFill>
               </a14:hiddenFill>
             </a:ext>
             <a:ext uri="{91240B29-F687-4f45-9708-019B960494DF}">
-              <a14:hiddenLine xmlns:a14="http://schemas.microsoft.com/office/drawing/2010/main" xmlns="" w="9525">
+              <a14:hiddenLine xmlns="" xmlns:a14="http://schemas.microsoft.com/office/drawing/2010/main" w="9525">
                 <a:solidFill>
                   <a:srgbClr val="000000"/>
                 </a:solidFill>
@@ -812,7 +812,7 @@
           </a:ln>
           <a:extLst>
             <a:ext uri="{91240B29-F687-4f45-9708-019B960494DF}">
-              <a14:hiddenLine xmlns:a14="http://schemas.microsoft.com/office/drawing/2010/main" xmlns="" w="9525">
+              <a14:hiddenLine xmlns="" xmlns:a14="http://schemas.microsoft.com/office/drawing/2010/main" w="9525">
                 <a:solidFill>
                   <a:srgbClr val="000000"/>
                 </a:solidFill>
@@ -1128,7 +1128,7 @@
           </a:ln>
           <a:extLst>
             <a:ext uri="{91240B29-F687-4f45-9708-019B960494DF}">
-              <a14:hiddenLine xmlns:a14="http://schemas.microsoft.com/office/drawing/2010/main" xmlns="" w="9525">
+              <a14:hiddenLine xmlns="" xmlns:a14="http://schemas.microsoft.com/office/drawing/2010/main" w="9525">
                 <a:solidFill>
                   <a:srgbClr val="000000"/>
                 </a:solidFill>
@@ -1179,7 +1179,7 @@
           </a:ln>
           <a:extLst>
             <a:ext uri="{91240B29-F687-4f45-9708-019B960494DF}">
-              <a14:hiddenLine xmlns:a14="http://schemas.microsoft.com/office/drawing/2010/main" xmlns="" w="9525">
+              <a14:hiddenLine xmlns="" xmlns:a14="http://schemas.microsoft.com/office/drawing/2010/main" w="9525">
                 <a:solidFill>
                   <a:srgbClr val="000000"/>
                 </a:solidFill>
@@ -12409,7 +12409,7 @@
           </a:ln>
           <a:extLst>
             <a:ext uri="{91240B29-F687-4f45-9708-019B960494DF}">
-              <a14:hiddenLine xmlns:a14="http://schemas.microsoft.com/office/drawing/2010/main" xmlns="" w="9525">
+              <a14:hiddenLine xmlns="" xmlns:a14="http://schemas.microsoft.com/office/drawing/2010/main" w="9525">
                 <a:solidFill>
                   <a:srgbClr val="000000"/>
                 </a:solidFill>
@@ -12738,14 +12738,14 @@
           </a:ln>
           <a:extLst>
             <a:ext uri="{909E8E84-426E-40dd-AFC4-6F175D3DCCD1}">
-              <a14:hiddenFill xmlns:a14="http://schemas.microsoft.com/office/drawing/2010/main" xmlns="">
+              <a14:hiddenFill xmlns="" xmlns:a14="http://schemas.microsoft.com/office/drawing/2010/main">
                 <a:solidFill>
                   <a:srgbClr val="FFFFFF"/>
                 </a:solidFill>
               </a14:hiddenFill>
             </a:ext>
             <a:ext uri="{91240B29-F687-4f45-9708-019B960494DF}">
-              <a14:hiddenLine xmlns:a14="http://schemas.microsoft.com/office/drawing/2010/main" xmlns="" w="9525">
+              <a14:hiddenLine xmlns="" xmlns:a14="http://schemas.microsoft.com/office/drawing/2010/main" w="9525">
                 <a:solidFill>
                   <a:srgbClr val="000000"/>
                 </a:solidFill>
@@ -12821,14 +12821,14 @@
           </a:ln>
           <a:extLst>
             <a:ext uri="{909E8E84-426E-40dd-AFC4-6F175D3DCCD1}">
-              <a14:hiddenFill xmlns:a14="http://schemas.microsoft.com/office/drawing/2010/main" xmlns="">
+              <a14:hiddenFill xmlns="" xmlns:a14="http://schemas.microsoft.com/office/drawing/2010/main">
                 <a:solidFill>
                   <a:srgbClr val="FFFFFF"/>
                 </a:solidFill>
               </a14:hiddenFill>
             </a:ext>
             <a:ext uri="{91240B29-F687-4f45-9708-019B960494DF}">
-              <a14:hiddenLine xmlns:a14="http://schemas.microsoft.com/office/drawing/2010/main" xmlns="" w="9525">
+              <a14:hiddenLine xmlns="" xmlns:a14="http://schemas.microsoft.com/office/drawing/2010/main" w="9525">
                 <a:solidFill>
                   <a:srgbClr val="000000"/>
                 </a:solidFill>
@@ -12899,14 +12899,14 @@
           </a:ln>
           <a:extLst>
             <a:ext uri="{909E8E84-426E-40dd-AFC4-6F175D3DCCD1}">
-              <a14:hiddenFill xmlns:a14="http://schemas.microsoft.com/office/drawing/2010/main" xmlns="">
+              <a14:hiddenFill xmlns="" xmlns:a14="http://schemas.microsoft.com/office/drawing/2010/main">
                 <a:solidFill>
                   <a:srgbClr val="FFFFFF"/>
                 </a:solidFill>
               </a14:hiddenFill>
             </a:ext>
             <a:ext uri="{91240B29-F687-4f45-9708-019B960494DF}">
-              <a14:hiddenLine xmlns:a14="http://schemas.microsoft.com/office/drawing/2010/main" xmlns="" w="9525">
+              <a14:hiddenLine xmlns="" xmlns:a14="http://schemas.microsoft.com/office/drawing/2010/main" w="9525">
                 <a:solidFill>
                   <a:srgbClr val="000000"/>
                 </a:solidFill>
@@ -12969,7 +12969,7 @@
           </a:ln>
           <a:extLst>
             <a:ext uri="{91240B29-F687-4f45-9708-019B960494DF}">
-              <a14:hiddenLine xmlns:a14="http://schemas.microsoft.com/office/drawing/2010/main" xmlns="" w="9525">
+              <a14:hiddenLine xmlns="" xmlns:a14="http://schemas.microsoft.com/office/drawing/2010/main" w="9525">
                 <a:solidFill>
                   <a:srgbClr val="000000"/>
                 </a:solidFill>
@@ -20502,7 +20502,11 @@
           <a:p>
             <a:r>
               <a:rPr lang="en-US" altLang="zh-TW" dirty="0"/>
-              <a:t>Date : 2026/01/26</a:t>
+              <a:t>Date </a:t>
+            </a:r>
+            <a:r>
+              <a:rPr lang="en-US" altLang="zh-TW"/>
+              <a:t>: 2026/02/03</a:t>
             </a:r>
             <a:endParaRPr lang="zh-TW" altLang="en-US" dirty="0"/>
           </a:p>

--- a/ppt_mxic/MXIC_20260202.pptx
+++ b/ppt_mxic/MXIC_20260202.pptx
@@ -234,7 +234,7 @@
           <a:p>
             <a:fld id="{FE9F37E1-976C-4D68-AAA1-E18BCAC423B3}" type="datetimeFigureOut">
               <a:rPr lang="zh-TW" altLang="en-US" smtClean="0"/>
-              <a:t>2026/2/2</a:t>
+              <a:t>2026/2/3</a:t>
             </a:fld>
             <a:endParaRPr lang="zh-TW" altLang="en-US"/>
           </a:p>
@@ -399,7 +399,7 @@
           <a:p>
             <a:fld id="{6F765A04-DEC0-490E-BE54-AD23B90E8F9F}" type="datetimeFigureOut">
               <a:rPr lang="zh-TW" altLang="en-US" smtClean="0"/>
-              <a:t>2026/2/2</a:t>
+              <a:t>2026/2/3</a:t>
             </a:fld>
             <a:endParaRPr lang="zh-TW" altLang="en-US"/>
           </a:p>
@@ -715,7 +715,7 @@
           </a:ln>
           <a:extLst>
             <a:ext uri="{91240B29-F687-4f45-9708-019B960494DF}">
-              <a14:hiddenLine xmlns="" xmlns:a14="http://schemas.microsoft.com/office/drawing/2010/main" w="9525">
+              <a14:hiddenLine xmlns:a14="http://schemas.microsoft.com/office/drawing/2010/main" xmlns="" w="9525">
                 <a:solidFill>
                   <a:srgbClr val="000000"/>
                 </a:solidFill>
@@ -769,14 +769,14 @@
           </a:ln>
           <a:extLst>
             <a:ext uri="{909E8E84-426E-40dd-AFC4-6F175D3DCCD1}">
-              <a14:hiddenFill xmlns="" xmlns:a14="http://schemas.microsoft.com/office/drawing/2010/main">
+              <a14:hiddenFill xmlns:a14="http://schemas.microsoft.com/office/drawing/2010/main" xmlns="">
                 <a:solidFill>
                   <a:srgbClr val="FFFFFF"/>
                 </a:solidFill>
               </a14:hiddenFill>
             </a:ext>
             <a:ext uri="{91240B29-F687-4f45-9708-019B960494DF}">
-              <a14:hiddenLine xmlns="" xmlns:a14="http://schemas.microsoft.com/office/drawing/2010/main" w="9525">
+              <a14:hiddenLine xmlns:a14="http://schemas.microsoft.com/office/drawing/2010/main" xmlns="" w="9525">
                 <a:solidFill>
                   <a:srgbClr val="000000"/>
                 </a:solidFill>
@@ -812,7 +812,7 @@
           </a:ln>
           <a:extLst>
             <a:ext uri="{91240B29-F687-4f45-9708-019B960494DF}">
-              <a14:hiddenLine xmlns="" xmlns:a14="http://schemas.microsoft.com/office/drawing/2010/main" w="9525">
+              <a14:hiddenLine xmlns:a14="http://schemas.microsoft.com/office/drawing/2010/main" xmlns="" w="9525">
                 <a:solidFill>
                   <a:srgbClr val="000000"/>
                 </a:solidFill>
@@ -1128,7 +1128,7 @@
           </a:ln>
           <a:extLst>
             <a:ext uri="{91240B29-F687-4f45-9708-019B960494DF}">
-              <a14:hiddenLine xmlns="" xmlns:a14="http://schemas.microsoft.com/office/drawing/2010/main" w="9525">
+              <a14:hiddenLine xmlns:a14="http://schemas.microsoft.com/office/drawing/2010/main" xmlns="" w="9525">
                 <a:solidFill>
                   <a:srgbClr val="000000"/>
                 </a:solidFill>
@@ -1179,7 +1179,7 @@
           </a:ln>
           <a:extLst>
             <a:ext uri="{91240B29-F687-4f45-9708-019B960494DF}">
-              <a14:hiddenLine xmlns="" xmlns:a14="http://schemas.microsoft.com/office/drawing/2010/main" w="9525">
+              <a14:hiddenLine xmlns:a14="http://schemas.microsoft.com/office/drawing/2010/main" xmlns="" w="9525">
                 <a:solidFill>
                   <a:srgbClr val="000000"/>
                 </a:solidFill>
@@ -12409,7 +12409,7 @@
           </a:ln>
           <a:extLst>
             <a:ext uri="{91240B29-F687-4f45-9708-019B960494DF}">
-              <a14:hiddenLine xmlns="" xmlns:a14="http://schemas.microsoft.com/office/drawing/2010/main" w="9525">
+              <a14:hiddenLine xmlns:a14="http://schemas.microsoft.com/office/drawing/2010/main" xmlns="" w="9525">
                 <a:solidFill>
                   <a:srgbClr val="000000"/>
                 </a:solidFill>
@@ -12738,14 +12738,14 @@
           </a:ln>
           <a:extLst>
             <a:ext uri="{909E8E84-426E-40dd-AFC4-6F175D3DCCD1}">
-              <a14:hiddenFill xmlns="" xmlns:a14="http://schemas.microsoft.com/office/drawing/2010/main">
+              <a14:hiddenFill xmlns:a14="http://schemas.microsoft.com/office/drawing/2010/main" xmlns="">
                 <a:solidFill>
                   <a:srgbClr val="FFFFFF"/>
                 </a:solidFill>
               </a14:hiddenFill>
             </a:ext>
             <a:ext uri="{91240B29-F687-4f45-9708-019B960494DF}">
-              <a14:hiddenLine xmlns="" xmlns:a14="http://schemas.microsoft.com/office/drawing/2010/main" w="9525">
+              <a14:hiddenLine xmlns:a14="http://schemas.microsoft.com/office/drawing/2010/main" xmlns="" w="9525">
                 <a:solidFill>
                   <a:srgbClr val="000000"/>
                 </a:solidFill>
@@ -12821,14 +12821,14 @@
           </a:ln>
           <a:extLst>
             <a:ext uri="{909E8E84-426E-40dd-AFC4-6F175D3DCCD1}">
-              <a14:hiddenFill xmlns="" xmlns:a14="http://schemas.microsoft.com/office/drawing/2010/main">
+              <a14:hiddenFill xmlns:a14="http://schemas.microsoft.com/office/drawing/2010/main" xmlns="">
                 <a:solidFill>
                   <a:srgbClr val="FFFFFF"/>
                 </a:solidFill>
               </a14:hiddenFill>
             </a:ext>
             <a:ext uri="{91240B29-F687-4f45-9708-019B960494DF}">
-              <a14:hiddenLine xmlns="" xmlns:a14="http://schemas.microsoft.com/office/drawing/2010/main" w="9525">
+              <a14:hiddenLine xmlns:a14="http://schemas.microsoft.com/office/drawing/2010/main" xmlns="" w="9525">
                 <a:solidFill>
                   <a:srgbClr val="000000"/>
                 </a:solidFill>
@@ -12899,14 +12899,14 @@
           </a:ln>
           <a:extLst>
             <a:ext uri="{909E8E84-426E-40dd-AFC4-6F175D3DCCD1}">
-              <a14:hiddenFill xmlns="" xmlns:a14="http://schemas.microsoft.com/office/drawing/2010/main">
+              <a14:hiddenFill xmlns:a14="http://schemas.microsoft.com/office/drawing/2010/main" xmlns="">
                 <a:solidFill>
                   <a:srgbClr val="FFFFFF"/>
                 </a:solidFill>
               </a14:hiddenFill>
             </a:ext>
             <a:ext uri="{91240B29-F687-4f45-9708-019B960494DF}">
-              <a14:hiddenLine xmlns="" xmlns:a14="http://schemas.microsoft.com/office/drawing/2010/main" w="9525">
+              <a14:hiddenLine xmlns:a14="http://schemas.microsoft.com/office/drawing/2010/main" xmlns="" w="9525">
                 <a:solidFill>
                   <a:srgbClr val="000000"/>
                 </a:solidFill>
@@ -12969,7 +12969,7 @@
           </a:ln>
           <a:extLst>
             <a:ext uri="{91240B29-F687-4f45-9708-019B960494DF}">
-              <a14:hiddenLine xmlns="" xmlns:a14="http://schemas.microsoft.com/office/drawing/2010/main" w="9525">
+              <a14:hiddenLine xmlns:a14="http://schemas.microsoft.com/office/drawing/2010/main" xmlns="" w="9525">
                 <a:solidFill>
                   <a:srgbClr val="000000"/>
                 </a:solidFill>
